--- a/doc/System_Architecture_Diagram_cn_v1.0.pptx
+++ b/doc/System_Architecture_Diagram_cn_v1.0.pptx
@@ -4414,7 +4414,6 @@
             <a:pPr algn="ctr"/>
             <a:r>
               <a:rPr lang="en-US" altLang="zh-CN">
-                <a:ln/>
                 <a:solidFill>
                   <a:schemeClr val="tx1"/>
                 </a:solidFill>
@@ -4430,7 +4429,6 @@
             </a:r>
             <a:r>
               <a:rPr lang="zh-CN" altLang="en-US">
-                <a:ln/>
                 <a:solidFill>
                   <a:schemeClr val="tx1"/>
                 </a:solidFill>
@@ -4445,7 +4443,6 @@
               <a:t>内容永久存储层</a:t>
             </a:r>
             <a:endParaRPr lang="zh-CN" altLang="en-US">
-              <a:ln/>
               <a:solidFill>
                 <a:schemeClr val="tx1"/>
               </a:solidFill>
@@ -4508,7 +4505,6 @@
             <a:pPr algn="ctr"/>
             <a:r>
               <a:rPr lang="en-US" altLang="zh-CN">
-                <a:ln/>
                 <a:solidFill>
                   <a:schemeClr val="tx1"/>
                 </a:solidFill>
@@ -4524,7 +4520,6 @@
             </a:r>
             <a:r>
               <a:rPr lang="zh-CN" altLang="en-US">
-                <a:ln/>
                 <a:solidFill>
                   <a:schemeClr val="tx1"/>
                 </a:solidFill>
@@ -4539,7 +4534,51 @@
               <a:t>目录索引层</a:t>
             </a:r>
             <a:endParaRPr lang="zh-CN" altLang="en-US">
-              <a:ln/>
+              <a:solidFill>
+                <a:schemeClr val="tx1"/>
+              </a:solidFill>
+              <a:effectLst>
+                <a:outerShdw blurRad="38100" dist="19050" dir="2700000" algn="tl" rotWithShape="0">
+                  <a:schemeClr val="dk1">
+                    <a:alpha val="40000"/>
+                  </a:schemeClr>
+                </a:outerShdw>
+              </a:effectLst>
+            </a:endParaRPr>
+          </a:p>
+          <a:p>
+            <a:pPr algn="ctr"/>
+            <a:r>
+              <a:rPr lang="en-US" altLang="zh-CN">
+                <a:solidFill>
+                  <a:schemeClr val="tx1"/>
+                </a:solidFill>
+                <a:effectLst>
+                  <a:outerShdw blurRad="38100" dist="19050" dir="2700000" algn="tl" rotWithShape="0">
+                    <a:schemeClr val="dk1">
+                      <a:alpha val="40000"/>
+                    </a:schemeClr>
+                  </a:outerShdw>
+                </a:effectLst>
+              </a:rPr>
+              <a:t>        NFT</a:t>
+            </a:r>
+            <a:r>
+              <a:rPr lang="zh-CN" altLang="en-US">
+                <a:solidFill>
+                  <a:schemeClr val="tx1"/>
+                </a:solidFill>
+                <a:effectLst>
+                  <a:outerShdw blurRad="38100" dist="19050" dir="2700000" algn="tl" rotWithShape="0">
+                    <a:schemeClr val="dk1">
+                      <a:alpha val="40000"/>
+                    </a:schemeClr>
+                  </a:outerShdw>
+                </a:effectLst>
+              </a:rPr>
+              <a:t>元数据层</a:t>
+            </a:r>
+            <a:endParaRPr lang="zh-CN" altLang="en-US">
               <a:solidFill>
                 <a:schemeClr val="tx1"/>
               </a:solidFill>
@@ -4602,7 +4641,6 @@
             <a:pPr algn="ctr"/>
             <a:r>
               <a:rPr lang="en-US" altLang="zh-CN">
-                <a:ln/>
                 <a:solidFill>
                   <a:schemeClr val="tx1"/>
                 </a:solidFill>
@@ -4618,7 +4656,6 @@
             </a:r>
             <a:r>
               <a:rPr lang="zh-CN" altLang="en-US">
-                <a:ln/>
                 <a:solidFill>
                   <a:schemeClr val="tx1"/>
                 </a:solidFill>
@@ -4633,7 +4670,6 @@
               <a:t>前端服务层</a:t>
             </a:r>
             <a:endParaRPr lang="zh-CN" altLang="en-US">
-              <a:ln/>
               <a:solidFill>
                 <a:schemeClr val="tx1"/>
               </a:solidFill>
@@ -5018,8 +5054,8 @@
         </p:nvSpPr>
         <p:spPr>
           <a:xfrm>
-            <a:off x="5459095" y="3594735"/>
-            <a:ext cx="3875405" cy="1042670"/>
+            <a:off x="5067935" y="3490595"/>
+            <a:ext cx="3580130" cy="1187450"/>
           </a:xfrm>
           <a:prstGeom prst="roundRect">
             <a:avLst/>
@@ -5047,11 +5083,43 @@
             <a:pPr algn="ctr"/>
             <a:r>
               <a:rPr lang="en-US" altLang="zh-CN"/>
-              <a:t>EOS </a:t>
-            </a:r>
+              <a:t>EOS</a:t>
+            </a:r>
+            <a:r>
+              <a:rPr lang="zh-CN" altLang="en-US"/>
+              <a:t>区块链</a:t>
+            </a:r>
+            <a:r>
+              <a:rPr lang="zh-CN" altLang="en-US"/>
+              <a:t>主网</a:t>
+            </a:r>
+            <a:endParaRPr lang="zh-CN" altLang="en-US"/>
+          </a:p>
+          <a:p>
+            <a:pPr algn="ctr"/>
             <a:r>
               <a:rPr lang="zh-CN" altLang="zh-CN"/>
-              <a:t>智能合约 多索引表</a:t>
+              <a:t>智能合约（由</a:t>
+            </a:r>
+            <a:r>
+              <a:rPr lang="en-US" altLang="zh-CN"/>
+              <a:t>DAO</a:t>
+            </a:r>
+            <a:r>
+              <a:rPr lang="zh-CN" altLang="en-US"/>
+              <a:t>治理</a:t>
+            </a:r>
+            <a:r>
+              <a:rPr lang="zh-CN" altLang="zh-CN"/>
+              <a:t>）</a:t>
+            </a:r>
+            <a:endParaRPr lang="zh-CN" altLang="zh-CN"/>
+          </a:p>
+          <a:p>
+            <a:pPr algn="ctr"/>
+            <a:r>
+              <a:rPr lang="zh-CN" altLang="zh-CN"/>
+              <a:t>多索引表</a:t>
             </a:r>
             <a:endParaRPr lang="zh-CN" altLang="zh-CN"/>
           </a:p>
@@ -5281,6 +5349,372 @@
               <a:t>用户</a:t>
             </a:r>
             <a:endParaRPr lang="zh-CN" altLang="en-US"/>
+          </a:p>
+        </p:txBody>
+      </p:sp>
+      <p:sp>
+        <p:nvSpPr>
+          <p:cNvPr id="2" name="圆角矩形 1"/>
+          <p:cNvSpPr/>
+          <p:nvPr/>
+        </p:nvSpPr>
+        <p:spPr>
+          <a:xfrm>
+            <a:off x="9269730" y="3458845"/>
+            <a:ext cx="1207770" cy="372110"/>
+          </a:xfrm>
+          <a:prstGeom prst="roundRect">
+            <a:avLst/>
+          </a:prstGeom>
+        </p:spPr>
+        <p:style>
+          <a:lnRef idx="1">
+            <a:schemeClr val="accent3"/>
+          </a:lnRef>
+          <a:fillRef idx="3">
+            <a:schemeClr val="accent3"/>
+          </a:fillRef>
+          <a:effectRef idx="2">
+            <a:schemeClr val="accent3"/>
+          </a:effectRef>
+          <a:fontRef idx="minor">
+            <a:schemeClr val="lt1"/>
+          </a:fontRef>
+        </p:style>
+        <p:txBody>
+          <a:bodyPr rtlCol="0" anchor="ctr"/>
+          <a:p>
+            <a:pPr algn="ctr"/>
+            <a:r>
+              <a:rPr lang="en-US" altLang="zh-CN"/>
+              <a:t>DAO</a:t>
+            </a:r>
+            <a:r>
+              <a:rPr lang="zh-CN" altLang="zh-CN"/>
+              <a:t>成员</a:t>
+            </a:r>
+            <a:endParaRPr lang="zh-CN" altLang="zh-CN"/>
+          </a:p>
+        </p:txBody>
+      </p:sp>
+      <p:sp>
+        <p:nvSpPr>
+          <p:cNvPr id="3" name="圆角矩形 2"/>
+          <p:cNvSpPr/>
+          <p:nvPr/>
+        </p:nvSpPr>
+        <p:spPr>
+          <a:xfrm>
+            <a:off x="9269730" y="3912870"/>
+            <a:ext cx="1207770" cy="372110"/>
+          </a:xfrm>
+          <a:prstGeom prst="roundRect">
+            <a:avLst/>
+          </a:prstGeom>
+        </p:spPr>
+        <p:style>
+          <a:lnRef idx="1">
+            <a:schemeClr val="accent3"/>
+          </a:lnRef>
+          <a:fillRef idx="3">
+            <a:schemeClr val="accent3"/>
+          </a:fillRef>
+          <a:effectRef idx="2">
+            <a:schemeClr val="accent3"/>
+          </a:effectRef>
+          <a:fontRef idx="minor">
+            <a:schemeClr val="lt1"/>
+          </a:fontRef>
+        </p:style>
+        <p:txBody>
+          <a:bodyPr rtlCol="0" anchor="ctr"/>
+          <a:p>
+            <a:pPr algn="ctr"/>
+            <a:r>
+              <a:rPr lang="en-US" altLang="zh-CN"/>
+              <a:t>DAO</a:t>
+            </a:r>
+            <a:r>
+              <a:rPr lang="zh-CN" altLang="zh-CN"/>
+              <a:t>成员</a:t>
+            </a:r>
+            <a:endParaRPr lang="zh-CN" altLang="zh-CN"/>
+          </a:p>
+        </p:txBody>
+      </p:sp>
+      <p:sp>
+        <p:nvSpPr>
+          <p:cNvPr id="4" name="圆角矩形 3"/>
+          <p:cNvSpPr/>
+          <p:nvPr/>
+        </p:nvSpPr>
+        <p:spPr>
+          <a:xfrm>
+            <a:off x="9269730" y="4361815"/>
+            <a:ext cx="1207770" cy="372110"/>
+          </a:xfrm>
+          <a:prstGeom prst="roundRect">
+            <a:avLst/>
+          </a:prstGeom>
+        </p:spPr>
+        <p:style>
+          <a:lnRef idx="1">
+            <a:schemeClr val="accent3"/>
+          </a:lnRef>
+          <a:fillRef idx="3">
+            <a:schemeClr val="accent3"/>
+          </a:fillRef>
+          <a:effectRef idx="2">
+            <a:schemeClr val="accent3"/>
+          </a:effectRef>
+          <a:fontRef idx="minor">
+            <a:schemeClr val="lt1"/>
+          </a:fontRef>
+        </p:style>
+        <p:txBody>
+          <a:bodyPr rtlCol="0" anchor="ctr"/>
+          <a:p>
+            <a:pPr algn="ctr"/>
+            <a:r>
+              <a:rPr lang="en-US" altLang="zh-CN"/>
+              <a:t>DAO</a:t>
+            </a:r>
+            <a:r>
+              <a:rPr lang="zh-CN" altLang="zh-CN"/>
+              <a:t>成员</a:t>
+            </a:r>
+            <a:endParaRPr lang="zh-CN" altLang="zh-CN"/>
+          </a:p>
+        </p:txBody>
+      </p:sp>
+      <p:cxnSp>
+        <p:nvCxnSpPr>
+          <p:cNvPr id="5" name="直接箭头连接符 4"/>
+          <p:cNvCxnSpPr>
+            <a:stCxn id="20" idx="3"/>
+            <a:endCxn id="2" idx="1"/>
+          </p:cNvCxnSpPr>
+          <p:nvPr/>
+        </p:nvCxnSpPr>
+        <p:spPr>
+          <a:xfrm flipV="1">
+            <a:off x="8648065" y="3644900"/>
+            <a:ext cx="621665" cy="439420"/>
+          </a:xfrm>
+          <a:prstGeom prst="straightConnector1">
+            <a:avLst/>
+          </a:prstGeom>
+          <a:ln>
+            <a:tailEnd type="arrow" w="med" len="med"/>
+          </a:ln>
+        </p:spPr>
+        <p:style>
+          <a:lnRef idx="3">
+            <a:schemeClr val="accent1"/>
+          </a:lnRef>
+          <a:fillRef idx="0">
+            <a:schemeClr val="accent1"/>
+          </a:fillRef>
+          <a:effectRef idx="2">
+            <a:schemeClr val="accent1"/>
+          </a:effectRef>
+          <a:fontRef idx="minor">
+            <a:schemeClr val="tx1"/>
+          </a:fontRef>
+        </p:style>
+      </p:cxnSp>
+      <p:cxnSp>
+        <p:nvCxnSpPr>
+          <p:cNvPr id="6" name="直接箭头连接符 5"/>
+          <p:cNvCxnSpPr>
+            <a:stCxn id="20" idx="3"/>
+            <a:endCxn id="3" idx="1"/>
+          </p:cNvCxnSpPr>
+          <p:nvPr/>
+        </p:nvCxnSpPr>
+        <p:spPr>
+          <a:xfrm>
+            <a:off x="8648065" y="4084320"/>
+            <a:ext cx="621665" cy="14605"/>
+          </a:xfrm>
+          <a:prstGeom prst="straightConnector1">
+            <a:avLst/>
+          </a:prstGeom>
+          <a:ln>
+            <a:tailEnd type="arrow" w="med" len="med"/>
+          </a:ln>
+        </p:spPr>
+        <p:style>
+          <a:lnRef idx="3">
+            <a:schemeClr val="accent1"/>
+          </a:lnRef>
+          <a:fillRef idx="0">
+            <a:schemeClr val="accent1"/>
+          </a:fillRef>
+          <a:effectRef idx="2">
+            <a:schemeClr val="accent1"/>
+          </a:effectRef>
+          <a:fontRef idx="minor">
+            <a:schemeClr val="tx1"/>
+          </a:fontRef>
+        </p:style>
+      </p:cxnSp>
+      <p:cxnSp>
+        <p:nvCxnSpPr>
+          <p:cNvPr id="7" name="直接箭头连接符 6"/>
+          <p:cNvCxnSpPr>
+            <a:stCxn id="20" idx="3"/>
+            <a:endCxn id="4" idx="1"/>
+          </p:cNvCxnSpPr>
+          <p:nvPr/>
+        </p:nvCxnSpPr>
+        <p:spPr>
+          <a:xfrm>
+            <a:off x="8648065" y="4084320"/>
+            <a:ext cx="621665" cy="463550"/>
+          </a:xfrm>
+          <a:prstGeom prst="straightConnector1">
+            <a:avLst/>
+          </a:prstGeom>
+          <a:ln>
+            <a:tailEnd type="arrow" w="med" len="med"/>
+          </a:ln>
+        </p:spPr>
+        <p:style>
+          <a:lnRef idx="3">
+            <a:schemeClr val="accent1"/>
+          </a:lnRef>
+          <a:fillRef idx="0">
+            <a:schemeClr val="accent1"/>
+          </a:fillRef>
+          <a:effectRef idx="2">
+            <a:schemeClr val="accent1"/>
+          </a:effectRef>
+          <a:fontRef idx="minor">
+            <a:schemeClr val="tx1"/>
+          </a:fontRef>
+        </p:style>
+      </p:cxnSp>
+      <p:sp>
+        <p:nvSpPr>
+          <p:cNvPr id="21" name="圆角矩形 20"/>
+          <p:cNvSpPr/>
+          <p:nvPr/>
+        </p:nvSpPr>
+        <p:spPr>
+          <a:xfrm>
+            <a:off x="10618470" y="3458845"/>
+            <a:ext cx="805815" cy="372110"/>
+          </a:xfrm>
+          <a:prstGeom prst="roundRect">
+            <a:avLst/>
+          </a:prstGeom>
+        </p:spPr>
+        <p:style>
+          <a:lnRef idx="1">
+            <a:schemeClr val="accent3"/>
+          </a:lnRef>
+          <a:fillRef idx="3">
+            <a:schemeClr val="accent3"/>
+          </a:fillRef>
+          <a:effectRef idx="2">
+            <a:schemeClr val="accent3"/>
+          </a:effectRef>
+          <a:fontRef idx="minor">
+            <a:schemeClr val="lt1"/>
+          </a:fontRef>
+        </p:style>
+        <p:txBody>
+          <a:bodyPr rtlCol="0" anchor="ctr"/>
+          <a:p>
+            <a:pPr algn="ctr"/>
+            <a:r>
+              <a:rPr lang="en-US"/>
+              <a:t>......</a:t>
+            </a:r>
+            <a:endParaRPr lang="en-US"/>
+          </a:p>
+        </p:txBody>
+      </p:sp>
+      <p:sp>
+        <p:nvSpPr>
+          <p:cNvPr id="22" name="圆角矩形 21"/>
+          <p:cNvSpPr/>
+          <p:nvPr/>
+        </p:nvSpPr>
+        <p:spPr>
+          <a:xfrm>
+            <a:off x="10618470" y="3912870"/>
+            <a:ext cx="805815" cy="372110"/>
+          </a:xfrm>
+          <a:prstGeom prst="roundRect">
+            <a:avLst/>
+          </a:prstGeom>
+        </p:spPr>
+        <p:style>
+          <a:lnRef idx="1">
+            <a:schemeClr val="accent3"/>
+          </a:lnRef>
+          <a:fillRef idx="3">
+            <a:schemeClr val="accent3"/>
+          </a:fillRef>
+          <a:effectRef idx="2">
+            <a:schemeClr val="accent3"/>
+          </a:effectRef>
+          <a:fontRef idx="minor">
+            <a:schemeClr val="lt1"/>
+          </a:fontRef>
+        </p:style>
+        <p:txBody>
+          <a:bodyPr rtlCol="0" anchor="ctr"/>
+          <a:p>
+            <a:pPr algn="ctr"/>
+            <a:r>
+              <a:rPr lang="en-US"/>
+              <a:t>......</a:t>
+            </a:r>
+            <a:endParaRPr lang="en-US"/>
+          </a:p>
+        </p:txBody>
+      </p:sp>
+      <p:sp>
+        <p:nvSpPr>
+          <p:cNvPr id="28" name="圆角矩形 27"/>
+          <p:cNvSpPr/>
+          <p:nvPr/>
+        </p:nvSpPr>
+        <p:spPr>
+          <a:xfrm>
+            <a:off x="10618470" y="4361815"/>
+            <a:ext cx="805815" cy="372110"/>
+          </a:xfrm>
+          <a:prstGeom prst="roundRect">
+            <a:avLst/>
+          </a:prstGeom>
+        </p:spPr>
+        <p:style>
+          <a:lnRef idx="1">
+            <a:schemeClr val="accent3"/>
+          </a:lnRef>
+          <a:fillRef idx="3">
+            <a:schemeClr val="accent3"/>
+          </a:fillRef>
+          <a:effectRef idx="2">
+            <a:schemeClr val="accent3"/>
+          </a:effectRef>
+          <a:fontRef idx="minor">
+            <a:schemeClr val="lt1"/>
+          </a:fontRef>
+        </p:style>
+        <p:txBody>
+          <a:bodyPr rtlCol="0" anchor="ctr"/>
+          <a:p>
+            <a:pPr algn="ctr"/>
+            <a:r>
+              <a:rPr lang="en-US"/>
+              <a:t>......</a:t>
+            </a:r>
+            <a:endParaRPr lang="en-US"/>
           </a:p>
         </p:txBody>
       </p:sp>

--- a/doc/System_Architecture_Diagram_cn_v1.0.pptx
+++ b/doc/System_Architecture_Diagram_cn_v1.0.pptx
@@ -4374,8 +4374,8 @@
         </p:nvSpPr>
         <p:spPr>
           <a:xfrm>
-            <a:off x="264795" y="5407025"/>
-            <a:ext cx="2506345" cy="889000"/>
+            <a:off x="163195" y="5407025"/>
+            <a:ext cx="3129280" cy="1009650"/>
           </a:xfrm>
           <a:prstGeom prst="roundRect">
             <a:avLst/>
@@ -4440,7 +4440,7 @@
                   </a:outerShdw>
                 </a:effectLst>
               </a:rPr>
-              <a:t>内容永久存储层</a:t>
+              <a:t>内容数据永久存储层</a:t>
             </a:r>
             <a:endParaRPr lang="zh-CN" altLang="en-US">
               <a:solidFill>
@@ -4455,6 +4455,51 @@
               </a:effectLst>
             </a:endParaRPr>
           </a:p>
+          <a:p>
+            <a:pPr algn="ctr"/>
+            <a:r>
+              <a:rPr lang="en-US" altLang="zh-CN">
+                <a:solidFill>
+                  <a:schemeClr val="tx1"/>
+                </a:solidFill>
+                <a:effectLst>
+                  <a:outerShdw blurRad="38100" dist="19050" dir="2700000" algn="tl" rotWithShape="0">
+                    <a:schemeClr val="dk1">
+                      <a:alpha val="40000"/>
+                    </a:schemeClr>
+                  </a:outerShdw>
+                </a:effectLst>
+              </a:rPr>
+              <a:t>NFT</a:t>
+            </a:r>
+            <a:r>
+              <a:rPr lang="zh-CN" altLang="en-US">
+                <a:solidFill>
+                  <a:schemeClr val="tx1"/>
+                </a:solidFill>
+                <a:effectLst>
+                  <a:outerShdw blurRad="38100" dist="19050" dir="2700000" algn="tl" rotWithShape="0">
+                    <a:schemeClr val="dk1">
+                      <a:alpha val="40000"/>
+                    </a:schemeClr>
+                  </a:outerShdw>
+                </a:effectLst>
+              </a:rPr>
+              <a:t>本身数据永久存储层</a:t>
+            </a:r>
+            <a:endParaRPr lang="zh-CN" altLang="en-US">
+              <a:solidFill>
+                <a:schemeClr val="tx1"/>
+              </a:solidFill>
+              <a:effectLst>
+                <a:outerShdw blurRad="38100" dist="19050" dir="2700000" algn="tl" rotWithShape="0">
+                  <a:schemeClr val="dk1">
+                    <a:alpha val="40000"/>
+                  </a:schemeClr>
+                </a:outerShdw>
+              </a:effectLst>
+            </a:endParaRPr>
+          </a:p>
         </p:txBody>
       </p:sp>
       <p:sp>
@@ -4465,8 +4510,8 @@
         </p:nvSpPr>
         <p:spPr>
           <a:xfrm>
-            <a:off x="264795" y="3653790"/>
-            <a:ext cx="2506345" cy="889000"/>
+            <a:off x="163830" y="3653790"/>
+            <a:ext cx="3128645" cy="889000"/>
           </a:xfrm>
           <a:prstGeom prst="roundRect">
             <a:avLst/>
@@ -4531,7 +4576,7 @@
                   </a:outerShdw>
                 </a:effectLst>
               </a:rPr>
-              <a:t>目录索引层</a:t>
+              <a:t>目录索引永久存储层</a:t>
             </a:r>
             <a:endParaRPr lang="zh-CN" altLang="en-US">
               <a:solidFill>
@@ -4561,7 +4606,7 @@
                   </a:outerShdw>
                 </a:effectLst>
               </a:rPr>
-              <a:t>        NFT</a:t>
+              <a:t>NFT</a:t>
             </a:r>
             <a:r>
               <a:rPr lang="zh-CN" altLang="en-US">
@@ -4576,7 +4621,7 @@
                   </a:outerShdw>
                 </a:effectLst>
               </a:rPr>
-              <a:t>元数据层</a:t>
+              <a:t>元数据永久存储层</a:t>
             </a:r>
             <a:endParaRPr lang="zh-CN" altLang="en-US">
               <a:solidFill>
@@ -4601,8 +4646,8 @@
         </p:nvSpPr>
         <p:spPr>
           <a:xfrm>
-            <a:off x="264795" y="2033905"/>
-            <a:ext cx="2506345" cy="889000"/>
+            <a:off x="163830" y="2033905"/>
+            <a:ext cx="3128645" cy="889000"/>
           </a:xfrm>
           <a:prstGeom prst="roundRect">
             <a:avLst/>

--- a/doc/System_Architecture_Diagram_cn_v1.0.pptx
+++ b/doc/System_Architecture_Diagram_cn_v1.0.pptx
@@ -4830,7 +4830,7 @@
         </p:nvSpPr>
         <p:spPr>
           <a:xfrm>
-            <a:off x="3662045" y="5634355"/>
+            <a:off x="3726815" y="5634355"/>
             <a:ext cx="1252855" cy="685800"/>
           </a:xfrm>
           <a:prstGeom prst="ellipse">
@@ -4879,7 +4879,7 @@
         </p:nvSpPr>
         <p:spPr>
           <a:xfrm>
-            <a:off x="5027930" y="5634355"/>
+            <a:off x="5078095" y="5634355"/>
             <a:ext cx="1541145" cy="685800"/>
           </a:xfrm>
           <a:prstGeom prst="ellipse">
@@ -4928,7 +4928,7 @@
         </p:nvSpPr>
         <p:spPr>
           <a:xfrm>
-            <a:off x="6715125" y="5634355"/>
+            <a:off x="8068945" y="5634355"/>
             <a:ext cx="1252855" cy="685800"/>
           </a:xfrm>
           <a:prstGeom prst="ellipse">
@@ -4963,7 +4963,7 @@
             <a:pPr algn="ctr"/>
             <a:r>
               <a:rPr lang="en-US" altLang="zh-CN"/>
-              <a:t>BSC</a:t>
+              <a:t>BTC</a:t>
             </a:r>
             <a:endParaRPr lang="en-US" altLang="zh-CN"/>
           </a:p>
@@ -4977,7 +4977,7 @@
         </p:nvSpPr>
         <p:spPr>
           <a:xfrm>
-            <a:off x="8091805" y="5634355"/>
+            <a:off x="6717665" y="5634355"/>
             <a:ext cx="1252855" cy="685800"/>
           </a:xfrm>
           <a:prstGeom prst="ellipse">
@@ -5060,24 +5060,28 @@
           <a:p>
             <a:pPr algn="ctr"/>
             <a:r>
+              <a:rPr lang="en-US" altLang="zh-CN">
+                <a:sym typeface="+mn-ea"/>
+              </a:rPr>
+              <a:t>BSC</a:t>
+            </a:r>
+            <a:endParaRPr lang="en-US" altLang="zh-CN"/>
+          </a:p>
+          <a:p>
+            <a:pPr algn="ctr"/>
+            <a:r>
               <a:rPr lang="en-US" altLang="zh-CN"/>
-              <a:t>polygon</a:t>
+              <a:t>Avalanche</a:t>
             </a:r>
             <a:endParaRPr lang="en-US" altLang="zh-CN"/>
           </a:p>
           <a:p>
             <a:pPr algn="ctr"/>
             <a:r>
-              <a:rPr lang="en-US" altLang="zh-CN"/>
-              <a:t>avalanche</a:t>
-            </a:r>
-            <a:endParaRPr lang="en-US" altLang="zh-CN"/>
-          </a:p>
-          <a:p>
-            <a:pPr algn="ctr"/>
-            <a:r>
-              <a:rPr lang="en-US" altLang="zh-CN"/>
-              <a:t>fantom</a:t>
+              <a:rPr lang="en-US" altLang="zh-CN">
+                <a:sym typeface="+mn-ea"/>
+              </a:rPr>
+              <a:t>Polygon</a:t>
             </a:r>
             <a:endParaRPr lang="en-US" altLang="zh-CN"/>
           </a:p>
@@ -5178,7 +5182,7 @@
         </p:nvSpPr>
         <p:spPr>
           <a:xfrm>
-            <a:off x="4043680" y="2058035"/>
+            <a:off x="4127500" y="2058035"/>
             <a:ext cx="1711325" cy="849630"/>
           </a:xfrm>
           <a:prstGeom prst="ellipse">
@@ -5225,7 +5229,7 @@
         </p:nvSpPr>
         <p:spPr>
           <a:xfrm>
-            <a:off x="6746875" y="2053590"/>
+            <a:off x="6682740" y="2053590"/>
             <a:ext cx="1711325" cy="849630"/>
           </a:xfrm>
           <a:prstGeom prst="ellipse">
@@ -5272,7 +5276,7 @@
         </p:nvSpPr>
         <p:spPr>
           <a:xfrm>
-            <a:off x="9321165" y="2033905"/>
+            <a:off x="9237980" y="2033905"/>
             <a:ext cx="1711325" cy="849630"/>
           </a:xfrm>
           <a:prstGeom prst="ellipse">
